--- a/azure-monitor-rbac/images/figures.pptx
+++ b/azure-monitor-rbac/images/figures.pptx
@@ -10,6 +10,9 @@
     <p:sldId id="260" r:id="rId4"/>
     <p:sldId id="258" r:id="rId5"/>
     <p:sldId id="259" r:id="rId6"/>
+    <p:sldId id="263" r:id="rId7"/>
+    <p:sldId id="261" r:id="rId8"/>
+    <p:sldId id="262" r:id="rId9"/>
   </p:sldIdLst>
   <p:sldSz cx="12192000" cy="6858000"/>
   <p:notesSz cx="6858000" cy="9144000"/>
@@ -5915,10 +5918,108 @@
               <a:t> </a:t>
             </a:r>
             <a:r>
-              <a:rPr kumimoji="1" lang="en-US" altLang="ja-JP" sz="1200"/>
+              <a:rPr kumimoji="1" lang="en-US" altLang="ja-JP" sz="1200" dirty="0"/>
               <a:t>Insights</a:t>
             </a:r>
             <a:endParaRPr kumimoji="1" lang="ja-JP" altLang="en-US" sz="1200" dirty="0"/>
+          </a:p>
+        </p:txBody>
+      </p:sp>
+      <p:pic>
+        <p:nvPicPr>
+          <p:cNvPr id="14" name="図 13">
+            <a:extLst>
+              <a:ext uri="{FF2B5EF4-FFF2-40B4-BE49-F238E27FC236}">
+                <a16:creationId xmlns:a16="http://schemas.microsoft.com/office/drawing/2014/main" id="{8E23E13A-3D76-44E0-AB62-EDCBA58472AF}"/>
+              </a:ext>
+            </a:extLst>
+          </p:cNvPr>
+          <p:cNvPicPr>
+            <a:picLocks noChangeAspect="1"/>
+          </p:cNvPicPr>
+          <p:nvPr/>
+        </p:nvPicPr>
+        <p:blipFill>
+          <a:blip r:embed="rId5"/>
+          <a:stretch>
+            <a:fillRect/>
+          </a:stretch>
+        </p:blipFill>
+        <p:spPr>
+          <a:xfrm>
+            <a:off x="7237120" y="4676894"/>
+            <a:ext cx="6471560" cy="2026332"/>
+          </a:xfrm>
+          <a:prstGeom prst="rect">
+            <a:avLst/>
+          </a:prstGeom>
+          <a:ln>
+            <a:noFill/>
+          </a:ln>
+          <a:effectLst>
+            <a:outerShdw blurRad="292100" dist="139700" dir="2700000" algn="tl" rotWithShape="0">
+              <a:srgbClr val="333333">
+                <a:alpha val="65000"/>
+              </a:srgbClr>
+            </a:outerShdw>
+          </a:effectLst>
+        </p:spPr>
+      </p:pic>
+      <p:sp>
+        <p:nvSpPr>
+          <p:cNvPr id="16" name="四角形: 角を丸くする 15">
+            <a:extLst>
+              <a:ext uri="{FF2B5EF4-FFF2-40B4-BE49-F238E27FC236}">
+                <a16:creationId xmlns:a16="http://schemas.microsoft.com/office/drawing/2014/main" id="{2F325FC4-F3A2-4801-AAC9-062EB42D347C}"/>
+              </a:ext>
+            </a:extLst>
+          </p:cNvPr>
+          <p:cNvSpPr/>
+          <p:nvPr/>
+        </p:nvSpPr>
+        <p:spPr>
+          <a:xfrm>
+            <a:off x="11668563" y="4589181"/>
+            <a:ext cx="1796246" cy="567771"/>
+          </a:xfrm>
+          <a:prstGeom prst="roundRect">
+            <a:avLst/>
+          </a:prstGeom>
+        </p:spPr>
+        <p:style>
+          <a:lnRef idx="1">
+            <a:schemeClr val="accent2"/>
+          </a:lnRef>
+          <a:fillRef idx="2">
+            <a:schemeClr val="accent2"/>
+          </a:fillRef>
+          <a:effectRef idx="1">
+            <a:schemeClr val="accent2"/>
+          </a:effectRef>
+          <a:fontRef idx="minor">
+            <a:schemeClr val="dk1"/>
+          </a:fontRef>
+        </p:style>
+        <p:txBody>
+          <a:bodyPr rtlCol="0" anchor="ctr"/>
+          <a:lstStyle/>
+          <a:p>
+            <a:pPr algn="ctr"/>
+            <a:r>
+              <a:rPr kumimoji="1" lang="en-US" altLang="ja-JP" sz="1200" dirty="0"/>
+              <a:t>Log Analytics Agent</a:t>
+            </a:r>
+          </a:p>
+          <a:p>
+            <a:pPr algn="ctr"/>
+            <a:r>
+              <a:rPr kumimoji="1" lang="en-US" altLang="ja-JP" sz="1200" dirty="0"/>
+              <a:t>(Heartbeat</a:t>
+            </a:r>
+            <a:r>
+              <a:rPr kumimoji="1" lang="ja-JP" altLang="en-US" sz="1200" dirty="0"/>
+              <a:t>）</a:t>
+            </a:r>
           </a:p>
         </p:txBody>
       </p:sp>
@@ -6233,6 +6334,424 @@
     <p:extLst>
       <p:ext uri="{BB962C8B-B14F-4D97-AF65-F5344CB8AC3E}">
         <p14:creationId xmlns:p14="http://schemas.microsoft.com/office/powerpoint/2010/main" val="1888672193"/>
+      </p:ext>
+    </p:extLst>
+  </p:cSld>
+  <p:clrMapOvr>
+    <a:masterClrMapping/>
+  </p:clrMapOvr>
+</p:sld>
+</file>
+
+<file path=ppt/slides/slide6.xml><?xml version="1.0" encoding="utf-8"?>
+<p:sld xmlns:a="http://schemas.openxmlformats.org/drawingml/2006/main" xmlns:r="http://schemas.openxmlformats.org/officeDocument/2006/relationships" xmlns:p="http://schemas.openxmlformats.org/presentationml/2006/main">
+  <p:cSld>
+    <p:spTree>
+      <p:nvGrpSpPr>
+        <p:cNvPr id="1" name=""/>
+        <p:cNvGrpSpPr/>
+        <p:nvPr/>
+      </p:nvGrpSpPr>
+      <p:grpSpPr>
+        <a:xfrm>
+          <a:off x="0" y="0"/>
+          <a:ext cx="0" cy="0"/>
+          <a:chOff x="0" y="0"/>
+          <a:chExt cx="0" cy="0"/>
+        </a:xfrm>
+      </p:grpSpPr>
+      <p:pic>
+        <p:nvPicPr>
+          <p:cNvPr id="3" name="図 2">
+            <a:extLst>
+              <a:ext uri="{FF2B5EF4-FFF2-40B4-BE49-F238E27FC236}">
+                <a16:creationId xmlns:a16="http://schemas.microsoft.com/office/drawing/2014/main" id="{B867B418-7264-4F73-90EA-704D155F9382}"/>
+              </a:ext>
+            </a:extLst>
+          </p:cNvPr>
+          <p:cNvPicPr>
+            <a:picLocks noChangeAspect="1"/>
+          </p:cNvPicPr>
+          <p:nvPr/>
+        </p:nvPicPr>
+        <p:blipFill>
+          <a:blip r:embed="rId2"/>
+          <a:stretch>
+            <a:fillRect/>
+          </a:stretch>
+        </p:blipFill>
+        <p:spPr>
+          <a:xfrm>
+            <a:off x="158938" y="337141"/>
+            <a:ext cx="6177135" cy="3989160"/>
+          </a:xfrm>
+          <a:prstGeom prst="rect">
+            <a:avLst/>
+          </a:prstGeom>
+          <a:ln>
+            <a:noFill/>
+          </a:ln>
+          <a:effectLst>
+            <a:outerShdw blurRad="292100" dist="139700" dir="2700000" algn="tl" rotWithShape="0">
+              <a:srgbClr val="333333">
+                <a:alpha val="65000"/>
+              </a:srgbClr>
+            </a:outerShdw>
+          </a:effectLst>
+        </p:spPr>
+      </p:pic>
+      <p:pic>
+        <p:nvPicPr>
+          <p:cNvPr id="5" name="図 4">
+            <a:extLst>
+              <a:ext uri="{FF2B5EF4-FFF2-40B4-BE49-F238E27FC236}">
+                <a16:creationId xmlns:a16="http://schemas.microsoft.com/office/drawing/2014/main" id="{2C2745E2-A01F-46ED-AD1F-4FAFBE27C63B}"/>
+              </a:ext>
+            </a:extLst>
+          </p:cNvPr>
+          <p:cNvPicPr>
+            <a:picLocks noChangeAspect="1"/>
+          </p:cNvPicPr>
+          <p:nvPr/>
+        </p:nvPicPr>
+        <p:blipFill>
+          <a:blip r:embed="rId3"/>
+          <a:stretch>
+            <a:fillRect/>
+          </a:stretch>
+        </p:blipFill>
+        <p:spPr>
+          <a:xfrm>
+            <a:off x="6554216" y="337141"/>
+            <a:ext cx="6619782" cy="3989160"/>
+          </a:xfrm>
+          <a:prstGeom prst="rect">
+            <a:avLst/>
+          </a:prstGeom>
+          <a:ln>
+            <a:noFill/>
+          </a:ln>
+          <a:effectLst>
+            <a:outerShdw blurRad="292100" dist="139700" dir="2700000" algn="tl" rotWithShape="0">
+              <a:srgbClr val="333333">
+                <a:alpha val="65000"/>
+              </a:srgbClr>
+            </a:outerShdw>
+          </a:effectLst>
+        </p:spPr>
+      </p:pic>
+    </p:spTree>
+    <p:extLst>
+      <p:ext uri="{BB962C8B-B14F-4D97-AF65-F5344CB8AC3E}">
+        <p14:creationId xmlns:p14="http://schemas.microsoft.com/office/powerpoint/2010/main" val="472867914"/>
+      </p:ext>
+    </p:extLst>
+  </p:cSld>
+  <p:clrMapOvr>
+    <a:masterClrMapping/>
+  </p:clrMapOvr>
+</p:sld>
+</file>
+
+<file path=ppt/slides/slide7.xml><?xml version="1.0" encoding="utf-8"?>
+<p:sld xmlns:a="http://schemas.openxmlformats.org/drawingml/2006/main" xmlns:r="http://schemas.openxmlformats.org/officeDocument/2006/relationships" xmlns:p="http://schemas.openxmlformats.org/presentationml/2006/main">
+  <p:cSld>
+    <p:spTree>
+      <p:nvGrpSpPr>
+        <p:cNvPr id="1" name=""/>
+        <p:cNvGrpSpPr/>
+        <p:nvPr/>
+      </p:nvGrpSpPr>
+      <p:grpSpPr>
+        <a:xfrm>
+          <a:off x="0" y="0"/>
+          <a:ext cx="0" cy="0"/>
+          <a:chOff x="0" y="0"/>
+          <a:chExt cx="0" cy="0"/>
+        </a:xfrm>
+      </p:grpSpPr>
+      <p:pic>
+        <p:nvPicPr>
+          <p:cNvPr id="7" name="図 6">
+            <a:extLst>
+              <a:ext uri="{FF2B5EF4-FFF2-40B4-BE49-F238E27FC236}">
+                <a16:creationId xmlns:a16="http://schemas.microsoft.com/office/drawing/2014/main" id="{054EE7C0-55BC-4BD5-831E-ED35F8B737E9}"/>
+              </a:ext>
+            </a:extLst>
+          </p:cNvPr>
+          <p:cNvPicPr>
+            <a:picLocks noChangeAspect="1"/>
+          </p:cNvPicPr>
+          <p:nvPr/>
+        </p:nvPicPr>
+        <p:blipFill>
+          <a:blip r:embed="rId2"/>
+          <a:stretch>
+            <a:fillRect/>
+          </a:stretch>
+        </p:blipFill>
+        <p:spPr>
+          <a:xfrm>
+            <a:off x="219455" y="434957"/>
+            <a:ext cx="7652143" cy="2895749"/>
+          </a:xfrm>
+          <a:prstGeom prst="rect">
+            <a:avLst/>
+          </a:prstGeom>
+          <a:ln>
+            <a:noFill/>
+          </a:ln>
+          <a:effectLst>
+            <a:outerShdw blurRad="292100" dist="139700" dir="2700000" algn="tl" rotWithShape="0">
+              <a:srgbClr val="333333">
+                <a:alpha val="65000"/>
+              </a:srgbClr>
+            </a:outerShdw>
+          </a:effectLst>
+        </p:spPr>
+      </p:pic>
+      <p:pic>
+        <p:nvPicPr>
+          <p:cNvPr id="5" name="図 4">
+            <a:extLst>
+              <a:ext uri="{FF2B5EF4-FFF2-40B4-BE49-F238E27FC236}">
+                <a16:creationId xmlns:a16="http://schemas.microsoft.com/office/drawing/2014/main" id="{7681CAC1-F908-49D3-A8C3-3B013B636FA0}"/>
+              </a:ext>
+            </a:extLst>
+          </p:cNvPr>
+          <p:cNvPicPr>
+            <a:picLocks noChangeAspect="1"/>
+          </p:cNvPicPr>
+          <p:nvPr/>
+        </p:nvPicPr>
+        <p:blipFill>
+          <a:blip r:embed="rId3"/>
+          <a:stretch>
+            <a:fillRect/>
+          </a:stretch>
+        </p:blipFill>
+        <p:spPr>
+          <a:xfrm>
+            <a:off x="3934032" y="2871684"/>
+            <a:ext cx="7671194" cy="2965602"/>
+          </a:xfrm>
+          <a:prstGeom prst="rect">
+            <a:avLst/>
+          </a:prstGeom>
+          <a:ln>
+            <a:noFill/>
+          </a:ln>
+          <a:effectLst>
+            <a:outerShdw blurRad="292100" dist="139700" dir="2700000" algn="tl" rotWithShape="0">
+              <a:srgbClr val="333333">
+                <a:alpha val="65000"/>
+              </a:srgbClr>
+            </a:outerShdw>
+          </a:effectLst>
+        </p:spPr>
+      </p:pic>
+      <p:sp>
+        <p:nvSpPr>
+          <p:cNvPr id="9" name="四角形: 角を丸くする 8">
+            <a:extLst>
+              <a:ext uri="{FF2B5EF4-FFF2-40B4-BE49-F238E27FC236}">
+                <a16:creationId xmlns:a16="http://schemas.microsoft.com/office/drawing/2014/main" id="{EBCBAF54-A2B2-4167-B986-94C2227AA49A}"/>
+              </a:ext>
+            </a:extLst>
+          </p:cNvPr>
+          <p:cNvSpPr/>
+          <p:nvPr/>
+        </p:nvSpPr>
+        <p:spPr>
+          <a:xfrm>
+            <a:off x="9057085" y="2533879"/>
+            <a:ext cx="1796246" cy="567771"/>
+          </a:xfrm>
+          <a:prstGeom prst="roundRect">
+            <a:avLst/>
+          </a:prstGeom>
+        </p:spPr>
+        <p:style>
+          <a:lnRef idx="1">
+            <a:schemeClr val="accent2"/>
+          </a:lnRef>
+          <a:fillRef idx="2">
+            <a:schemeClr val="accent2"/>
+          </a:fillRef>
+          <a:effectRef idx="1">
+            <a:schemeClr val="accent2"/>
+          </a:effectRef>
+          <a:fontRef idx="minor">
+            <a:schemeClr val="dk1"/>
+          </a:fontRef>
+        </p:style>
+        <p:txBody>
+          <a:bodyPr rtlCol="0" anchor="ctr"/>
+          <a:lstStyle/>
+          <a:p>
+            <a:pPr algn="ctr"/>
+            <a:r>
+              <a:rPr kumimoji="1" lang="ja-JP" altLang="en-US" sz="1200" dirty="0"/>
+              <a:t>プラットフォームログ</a:t>
+            </a:r>
+            <a:endParaRPr kumimoji="1" lang="en-US" altLang="ja-JP" sz="1200" dirty="0"/>
+          </a:p>
+          <a:p>
+            <a:pPr algn="ctr"/>
+            <a:r>
+              <a:rPr lang="ja-JP" altLang="en-US" sz="1200" dirty="0"/>
+              <a:t>（診断設定）</a:t>
+            </a:r>
+            <a:endParaRPr kumimoji="1" lang="ja-JP" altLang="en-US" sz="1200" dirty="0"/>
+          </a:p>
+        </p:txBody>
+      </p:sp>
+      <p:sp>
+        <p:nvSpPr>
+          <p:cNvPr id="11" name="四角形: 角を丸くする 10">
+            <a:extLst>
+              <a:ext uri="{FF2B5EF4-FFF2-40B4-BE49-F238E27FC236}">
+                <a16:creationId xmlns:a16="http://schemas.microsoft.com/office/drawing/2014/main" id="{3A82441B-C71B-44D4-8BF4-48316187B005}"/>
+              </a:ext>
+            </a:extLst>
+          </p:cNvPr>
+          <p:cNvSpPr/>
+          <p:nvPr/>
+        </p:nvSpPr>
+        <p:spPr>
+          <a:xfrm>
+            <a:off x="5670589" y="221204"/>
+            <a:ext cx="1796246" cy="567771"/>
+          </a:xfrm>
+          <a:prstGeom prst="roundRect">
+            <a:avLst/>
+          </a:prstGeom>
+        </p:spPr>
+        <p:style>
+          <a:lnRef idx="1">
+            <a:schemeClr val="accent2"/>
+          </a:lnRef>
+          <a:fillRef idx="2">
+            <a:schemeClr val="accent2"/>
+          </a:fillRef>
+          <a:effectRef idx="1">
+            <a:schemeClr val="accent2"/>
+          </a:effectRef>
+          <a:fontRef idx="minor">
+            <a:schemeClr val="dk1"/>
+          </a:fontRef>
+        </p:style>
+        <p:txBody>
+          <a:bodyPr rtlCol="0" anchor="ctr"/>
+          <a:lstStyle/>
+          <a:p>
+            <a:pPr algn="ctr"/>
+            <a:r>
+              <a:rPr kumimoji="1" lang="ja-JP" altLang="en-US" sz="1200" dirty="0"/>
+              <a:t>メトリック</a:t>
+            </a:r>
+            <a:endParaRPr kumimoji="1" lang="en-US" altLang="ja-JP" sz="1200" dirty="0"/>
+          </a:p>
+          <a:p>
+            <a:pPr algn="ctr"/>
+            <a:r>
+              <a:rPr lang="ja-JP" altLang="en-US" sz="1200" dirty="0"/>
+              <a:t>（診断設定）</a:t>
+            </a:r>
+            <a:endParaRPr kumimoji="1" lang="ja-JP" altLang="en-US" sz="1200" dirty="0"/>
+          </a:p>
+        </p:txBody>
+      </p:sp>
+    </p:spTree>
+    <p:extLst>
+      <p:ext uri="{BB962C8B-B14F-4D97-AF65-F5344CB8AC3E}">
+        <p14:creationId xmlns:p14="http://schemas.microsoft.com/office/powerpoint/2010/main" val="3674949753"/>
+      </p:ext>
+    </p:extLst>
+  </p:cSld>
+  <p:clrMapOvr>
+    <a:masterClrMapping/>
+  </p:clrMapOvr>
+</p:sld>
+</file>
+
+<file path=ppt/slides/slide8.xml><?xml version="1.0" encoding="utf-8"?>
+<p:sld xmlns:a="http://schemas.openxmlformats.org/drawingml/2006/main" xmlns:r="http://schemas.openxmlformats.org/officeDocument/2006/relationships" xmlns:p="http://schemas.openxmlformats.org/presentationml/2006/main">
+  <p:cSld>
+    <p:spTree>
+      <p:nvGrpSpPr>
+        <p:cNvPr id="1" name=""/>
+        <p:cNvGrpSpPr/>
+        <p:nvPr/>
+      </p:nvGrpSpPr>
+      <p:grpSpPr>
+        <a:xfrm>
+          <a:off x="0" y="0"/>
+          <a:ext cx="0" cy="0"/>
+          <a:chOff x="0" y="0"/>
+          <a:chExt cx="0" cy="0"/>
+        </a:xfrm>
+      </p:grpSpPr>
+      <p:pic>
+        <p:nvPicPr>
+          <p:cNvPr id="1026" name="Picture 2" descr="View workspace access control mode">
+            <a:extLst>
+              <a:ext uri="{FF2B5EF4-FFF2-40B4-BE49-F238E27FC236}">
+                <a16:creationId xmlns:a16="http://schemas.microsoft.com/office/drawing/2014/main" id="{ED3573D7-1F3F-428F-9E61-47C34734DB7A}"/>
+              </a:ext>
+            </a:extLst>
+          </p:cNvPr>
+          <p:cNvPicPr>
+            <a:picLocks noChangeAspect="1" noChangeArrowheads="1"/>
+          </p:cNvPicPr>
+          <p:nvPr/>
+        </p:nvPicPr>
+        <p:blipFill>
+          <a:blip r:embed="rId2">
+            <a:extLst>
+              <a:ext uri="{28A0092B-C50C-407E-A947-70E740481C1C}">
+                <a14:useLocalDpi xmlns:a14="http://schemas.microsoft.com/office/drawing/2010/main" val="0"/>
+              </a:ext>
+            </a:extLst>
+          </a:blip>
+          <a:srcRect/>
+          <a:stretch>
+            <a:fillRect/>
+          </a:stretch>
+        </p:blipFill>
+        <p:spPr bwMode="auto">
+          <a:xfrm>
+            <a:off x="790575" y="1947863"/>
+            <a:ext cx="10610850" cy="2962275"/>
+          </a:xfrm>
+          <a:prstGeom prst="rect">
+            <a:avLst/>
+          </a:prstGeom>
+          <a:ln>
+            <a:noFill/>
+          </a:ln>
+          <a:effectLst>
+            <a:outerShdw blurRad="292100" dist="139700" dir="2700000" algn="tl" rotWithShape="0">
+              <a:srgbClr val="333333">
+                <a:alpha val="65000"/>
+              </a:srgbClr>
+            </a:outerShdw>
+          </a:effectLst>
+          <a:extLst>
+            <a:ext uri="{909E8E84-426E-40DD-AFC4-6F175D3DCCD1}">
+              <a14:hiddenFill xmlns:a14="http://schemas.microsoft.com/office/drawing/2010/main">
+                <a:solidFill>
+                  <a:srgbClr val="FFFFFF"/>
+                </a:solidFill>
+              </a14:hiddenFill>
+            </a:ext>
+          </a:extLst>
+        </p:spPr>
+      </p:pic>
+    </p:spTree>
+    <p:extLst>
+      <p:ext uri="{BB962C8B-B14F-4D97-AF65-F5344CB8AC3E}">
+        <p14:creationId xmlns:p14="http://schemas.microsoft.com/office/powerpoint/2010/main" val="3953949796"/>
       </p:ext>
     </p:extLst>
   </p:cSld>
